--- a/web-apps-for-win-container/images/figures.pptx
+++ b/web-apps-for-win-container/images/figures.pptx
@@ -5,10 +5,14 @@
     <p:sldMasterId id="2147483648" r:id="rId1"/>
   </p:sldMasterIdLst>
   <p:notesMasterIdLst>
-    <p:notesMasterId r:id="rId3"/>
+    <p:notesMasterId r:id="rId7"/>
   </p:notesMasterIdLst>
   <p:sldIdLst>
     <p:sldId id="256" r:id="rId2"/>
+    <p:sldId id="257" r:id="rId3"/>
+    <p:sldId id="258" r:id="rId4"/>
+    <p:sldId id="259" r:id="rId5"/>
+    <p:sldId id="260" r:id="rId6"/>
   </p:sldIdLst>
   <p:sldSz cx="12192000" cy="6858000"/>
   <p:notesSz cx="6858000" cy="9144000"/>
@@ -197,7 +201,7 @@
           <a:p>
             <a:fld id="{D59BE010-B6A7-4387-8E5E-790CC7A3E10D}" type="datetimeFigureOut">
               <a:rPr kumimoji="1" lang="ja-JP" altLang="en-US" smtClean="0"/>
-              <a:t>2022/2/8</a:t>
+              <a:t>2022/2/9</a:t>
             </a:fld>
             <a:endParaRPr kumimoji="1" lang="ja-JP" altLang="en-US"/>
           </a:p>
@@ -643,7 +647,7 @@
           <a:p>
             <a:fld id="{A0E068F2-FF34-4200-B474-E4A93D28ED02}" type="datetimeFigureOut">
               <a:rPr kumimoji="1" lang="ja-JP" altLang="en-US" smtClean="0"/>
-              <a:t>2022/2/8</a:t>
+              <a:t>2022/2/9</a:t>
             </a:fld>
             <a:endParaRPr kumimoji="1" lang="ja-JP" altLang="en-US"/>
           </a:p>
@@ -873,7 +877,7 @@
           <a:p>
             <a:fld id="{A0E068F2-FF34-4200-B474-E4A93D28ED02}" type="datetimeFigureOut">
               <a:rPr kumimoji="1" lang="ja-JP" altLang="en-US" smtClean="0"/>
-              <a:t>2022/2/8</a:t>
+              <a:t>2022/2/9</a:t>
             </a:fld>
             <a:endParaRPr kumimoji="1" lang="ja-JP" altLang="en-US"/>
           </a:p>
@@ -1113,7 +1117,7 @@
           <a:p>
             <a:fld id="{A0E068F2-FF34-4200-B474-E4A93D28ED02}" type="datetimeFigureOut">
               <a:rPr kumimoji="1" lang="ja-JP" altLang="en-US" smtClean="0"/>
-              <a:t>2022/2/8</a:t>
+              <a:t>2022/2/9</a:t>
             </a:fld>
             <a:endParaRPr kumimoji="1" lang="ja-JP" altLang="en-US"/>
           </a:p>
@@ -1423,7 +1427,7 @@
           <a:p>
             <a:fld id="{A0E068F2-FF34-4200-B474-E4A93D28ED02}" type="datetimeFigureOut">
               <a:rPr kumimoji="1" lang="ja-JP" altLang="en-US" smtClean="0"/>
-              <a:t>2022/2/8</a:t>
+              <a:t>2022/2/9</a:t>
             </a:fld>
             <a:endParaRPr kumimoji="1" lang="ja-JP" altLang="en-US"/>
           </a:p>
@@ -1698,7 +1702,7 @@
           <a:p>
             <a:fld id="{A0E068F2-FF34-4200-B474-E4A93D28ED02}" type="datetimeFigureOut">
               <a:rPr kumimoji="1" lang="ja-JP" altLang="en-US" smtClean="0"/>
-              <a:t>2022/2/8</a:t>
+              <a:t>2022/2/9</a:t>
             </a:fld>
             <a:endParaRPr kumimoji="1" lang="ja-JP" altLang="en-US"/>
           </a:p>
@@ -2027,7 +2031,7 @@
           <a:p>
             <a:fld id="{A0E068F2-FF34-4200-B474-E4A93D28ED02}" type="datetimeFigureOut">
               <a:rPr kumimoji="1" lang="ja-JP" altLang="en-US" smtClean="0"/>
-              <a:t>2022/2/8</a:t>
+              <a:t>2022/2/9</a:t>
             </a:fld>
             <a:endParaRPr kumimoji="1" lang="ja-JP" altLang="en-US"/>
           </a:p>
@@ -2503,7 +2507,7 @@
           <a:p>
             <a:fld id="{A0E068F2-FF34-4200-B474-E4A93D28ED02}" type="datetimeFigureOut">
               <a:rPr kumimoji="1" lang="ja-JP" altLang="en-US" smtClean="0"/>
-              <a:t>2022/2/8</a:t>
+              <a:t>2022/2/9</a:t>
             </a:fld>
             <a:endParaRPr kumimoji="1" lang="ja-JP" altLang="en-US"/>
           </a:p>
@@ -2644,7 +2648,7 @@
           <a:p>
             <a:fld id="{A0E068F2-FF34-4200-B474-E4A93D28ED02}" type="datetimeFigureOut">
               <a:rPr kumimoji="1" lang="ja-JP" altLang="en-US" smtClean="0"/>
-              <a:t>2022/2/8</a:t>
+              <a:t>2022/2/9</a:t>
             </a:fld>
             <a:endParaRPr kumimoji="1" lang="ja-JP" altLang="en-US"/>
           </a:p>
@@ -2757,7 +2761,7 @@
           <a:p>
             <a:fld id="{A0E068F2-FF34-4200-B474-E4A93D28ED02}" type="datetimeFigureOut">
               <a:rPr kumimoji="1" lang="ja-JP" altLang="en-US" smtClean="0"/>
-              <a:t>2022/2/8</a:t>
+              <a:t>2022/2/9</a:t>
             </a:fld>
             <a:endParaRPr kumimoji="1" lang="ja-JP" altLang="en-US"/>
           </a:p>
@@ -3100,7 +3104,7 @@
           <a:p>
             <a:fld id="{A0E068F2-FF34-4200-B474-E4A93D28ED02}" type="datetimeFigureOut">
               <a:rPr kumimoji="1" lang="ja-JP" altLang="en-US" smtClean="0"/>
-              <a:t>2022/2/8</a:t>
+              <a:t>2022/2/9</a:t>
             </a:fld>
             <a:endParaRPr kumimoji="1" lang="ja-JP" altLang="en-US"/>
           </a:p>
@@ -3388,7 +3392,7 @@
           <a:p>
             <a:fld id="{A0E068F2-FF34-4200-B474-E4A93D28ED02}" type="datetimeFigureOut">
               <a:rPr kumimoji="1" lang="ja-JP" altLang="en-US" smtClean="0"/>
-              <a:t>2022/2/8</a:t>
+              <a:t>2022/2/9</a:t>
             </a:fld>
             <a:endParaRPr kumimoji="1" lang="ja-JP" altLang="en-US"/>
           </a:p>
@@ -3661,7 +3665,7 @@
           <a:p>
             <a:fld id="{A0E068F2-FF34-4200-B474-E4A93D28ED02}" type="datetimeFigureOut">
               <a:rPr kumimoji="1" lang="ja-JP" altLang="en-US" smtClean="0"/>
-              <a:t>2022/2/8</a:t>
+              <a:t>2022/2/9</a:t>
             </a:fld>
             <a:endParaRPr kumimoji="1" lang="ja-JP" altLang="en-US"/>
           </a:p>
@@ -4203,6 +4207,586 @@
     <p:extLst>
       <p:ext uri="{BB962C8B-B14F-4D97-AF65-F5344CB8AC3E}">
         <p14:creationId xmlns:p14="http://schemas.microsoft.com/office/powerpoint/2010/main" val="2084704772"/>
+      </p:ext>
+    </p:extLst>
+  </p:cSld>
+  <p:clrMapOvr>
+    <a:masterClrMapping/>
+  </p:clrMapOvr>
+</p:sld>
+</file>
+
+<file path=ppt/slides/slide2.xml><?xml version="1.0" encoding="utf-8"?>
+<p:sld xmlns:a="http://schemas.openxmlformats.org/drawingml/2006/main" xmlns:r="http://schemas.openxmlformats.org/officeDocument/2006/relationships" xmlns:p="http://schemas.openxmlformats.org/presentationml/2006/main">
+  <p:cSld>
+    <p:spTree>
+      <p:nvGrpSpPr>
+        <p:cNvPr id="1" name=""/>
+        <p:cNvGrpSpPr/>
+        <p:nvPr/>
+      </p:nvGrpSpPr>
+      <p:grpSpPr>
+        <a:xfrm>
+          <a:off x="0" y="0"/>
+          <a:ext cx="0" cy="0"/>
+          <a:chOff x="0" y="0"/>
+          <a:chExt cx="0" cy="0"/>
+        </a:xfrm>
+      </p:grpSpPr>
+      <p:pic>
+        <p:nvPicPr>
+          <p:cNvPr id="3" name="図 2">
+            <a:extLst>
+              <a:ext uri="{FF2B5EF4-FFF2-40B4-BE49-F238E27FC236}">
+                <a16:creationId xmlns:a16="http://schemas.microsoft.com/office/drawing/2014/main" id="{7CE4FC6A-C59F-44F8-8E73-A1578A78722F}"/>
+              </a:ext>
+            </a:extLst>
+          </p:cNvPr>
+          <p:cNvPicPr>
+            <a:picLocks noChangeAspect="1"/>
+          </p:cNvPicPr>
+          <p:nvPr/>
+        </p:nvPicPr>
+        <p:blipFill>
+          <a:blip r:embed="rId2"/>
+          <a:stretch>
+            <a:fillRect/>
+          </a:stretch>
+        </p:blipFill>
+        <p:spPr>
+          <a:xfrm>
+            <a:off x="414653" y="1672466"/>
+            <a:ext cx="5257746" cy="2719524"/>
+          </a:xfrm>
+          <a:prstGeom prst="rect">
+            <a:avLst/>
+          </a:prstGeom>
+          <a:ln>
+            <a:noFill/>
+          </a:ln>
+          <a:effectLst>
+            <a:outerShdw blurRad="292100" dist="139700" dir="2700000" algn="tl" rotWithShape="0">
+              <a:srgbClr val="333333">
+                <a:alpha val="65000"/>
+              </a:srgbClr>
+            </a:outerShdw>
+          </a:effectLst>
+        </p:spPr>
+      </p:pic>
+      <p:pic>
+        <p:nvPicPr>
+          <p:cNvPr id="11" name="図 10">
+            <a:extLst>
+              <a:ext uri="{FF2B5EF4-FFF2-40B4-BE49-F238E27FC236}">
+                <a16:creationId xmlns:a16="http://schemas.microsoft.com/office/drawing/2014/main" id="{BEFAFF49-F3A1-4BD9-8AF3-8D72E1374E9D}"/>
+              </a:ext>
+            </a:extLst>
+          </p:cNvPr>
+          <p:cNvPicPr>
+            <a:picLocks noChangeAspect="1"/>
+          </p:cNvPicPr>
+          <p:nvPr/>
+        </p:nvPicPr>
+        <p:blipFill>
+          <a:blip r:embed="rId3"/>
+          <a:stretch>
+            <a:fillRect/>
+          </a:stretch>
+        </p:blipFill>
+        <p:spPr>
+          <a:xfrm>
+            <a:off x="6150635" y="1672466"/>
+            <a:ext cx="5255207" cy="3505504"/>
+          </a:xfrm>
+          <a:prstGeom prst="rect">
+            <a:avLst/>
+          </a:prstGeom>
+          <a:ln>
+            <a:noFill/>
+          </a:ln>
+          <a:effectLst>
+            <a:outerShdw blurRad="292100" dist="139700" dir="2700000" algn="tl" rotWithShape="0">
+              <a:srgbClr val="333333">
+                <a:alpha val="65000"/>
+              </a:srgbClr>
+            </a:outerShdw>
+          </a:effectLst>
+        </p:spPr>
+      </p:pic>
+    </p:spTree>
+    <p:extLst>
+      <p:ext uri="{BB962C8B-B14F-4D97-AF65-F5344CB8AC3E}">
+        <p14:creationId xmlns:p14="http://schemas.microsoft.com/office/powerpoint/2010/main" val="3586332873"/>
+      </p:ext>
+    </p:extLst>
+  </p:cSld>
+  <p:clrMapOvr>
+    <a:masterClrMapping/>
+  </p:clrMapOvr>
+</p:sld>
+</file>
+
+<file path=ppt/slides/slide3.xml><?xml version="1.0" encoding="utf-8"?>
+<p:sld xmlns:a="http://schemas.openxmlformats.org/drawingml/2006/main" xmlns:r="http://schemas.openxmlformats.org/officeDocument/2006/relationships" xmlns:p="http://schemas.openxmlformats.org/presentationml/2006/main">
+  <p:cSld>
+    <p:spTree>
+      <p:nvGrpSpPr>
+        <p:cNvPr id="1" name=""/>
+        <p:cNvGrpSpPr/>
+        <p:nvPr/>
+      </p:nvGrpSpPr>
+      <p:grpSpPr>
+        <a:xfrm>
+          <a:off x="0" y="0"/>
+          <a:ext cx="0" cy="0"/>
+          <a:chOff x="0" y="0"/>
+          <a:chExt cx="0" cy="0"/>
+        </a:xfrm>
+      </p:grpSpPr>
+      <p:pic>
+        <p:nvPicPr>
+          <p:cNvPr id="7" name="図 6">
+            <a:extLst>
+              <a:ext uri="{FF2B5EF4-FFF2-40B4-BE49-F238E27FC236}">
+                <a16:creationId xmlns:a16="http://schemas.microsoft.com/office/drawing/2014/main" id="{3F261B34-5E47-4AD2-BE55-0BC5EF916FDB}"/>
+              </a:ext>
+            </a:extLst>
+          </p:cNvPr>
+          <p:cNvPicPr>
+            <a:picLocks noChangeAspect="1"/>
+          </p:cNvPicPr>
+          <p:nvPr/>
+        </p:nvPicPr>
+        <p:blipFill>
+          <a:blip r:embed="rId2"/>
+          <a:stretch>
+            <a:fillRect/>
+          </a:stretch>
+        </p:blipFill>
+        <p:spPr>
+          <a:xfrm>
+            <a:off x="42974" y="464595"/>
+            <a:ext cx="3427566" cy="2605087"/>
+          </a:xfrm>
+          <a:prstGeom prst="rect">
+            <a:avLst/>
+          </a:prstGeom>
+          <a:ln>
+            <a:noFill/>
+          </a:ln>
+          <a:effectLst>
+            <a:outerShdw blurRad="292100" dist="139700" dir="2700000" algn="tl" rotWithShape="0">
+              <a:srgbClr val="333333">
+                <a:alpha val="65000"/>
+              </a:srgbClr>
+            </a:outerShdw>
+          </a:effectLst>
+        </p:spPr>
+      </p:pic>
+      <p:pic>
+        <p:nvPicPr>
+          <p:cNvPr id="9" name="図 8">
+            <a:extLst>
+              <a:ext uri="{FF2B5EF4-FFF2-40B4-BE49-F238E27FC236}">
+                <a16:creationId xmlns:a16="http://schemas.microsoft.com/office/drawing/2014/main" id="{EDE6B573-F621-4D55-927F-404A21AA7DD8}"/>
+              </a:ext>
+            </a:extLst>
+          </p:cNvPr>
+          <p:cNvPicPr>
+            <a:picLocks noChangeAspect="1"/>
+          </p:cNvPicPr>
+          <p:nvPr/>
+        </p:nvPicPr>
+        <p:blipFill>
+          <a:blip r:embed="rId3"/>
+          <a:stretch>
+            <a:fillRect/>
+          </a:stretch>
+        </p:blipFill>
+        <p:spPr>
+          <a:xfrm>
+            <a:off x="3600609" y="509038"/>
+            <a:ext cx="5481169" cy="2603719"/>
+          </a:xfrm>
+          <a:prstGeom prst="rect">
+            <a:avLst/>
+          </a:prstGeom>
+          <a:ln>
+            <a:noFill/>
+          </a:ln>
+          <a:effectLst>
+            <a:outerShdw blurRad="292100" dist="139700" dir="2700000" algn="tl" rotWithShape="0">
+              <a:srgbClr val="333333">
+                <a:alpha val="65000"/>
+              </a:srgbClr>
+            </a:outerShdw>
+          </a:effectLst>
+        </p:spPr>
+      </p:pic>
+      <p:pic>
+        <p:nvPicPr>
+          <p:cNvPr id="15" name="図 14">
+            <a:extLst>
+              <a:ext uri="{FF2B5EF4-FFF2-40B4-BE49-F238E27FC236}">
+                <a16:creationId xmlns:a16="http://schemas.microsoft.com/office/drawing/2014/main" id="{2B531E60-E665-4BB0-A0CF-0F5DE19340F9}"/>
+              </a:ext>
+            </a:extLst>
+          </p:cNvPr>
+          <p:cNvPicPr>
+            <a:picLocks noChangeAspect="1"/>
+          </p:cNvPicPr>
+          <p:nvPr/>
+        </p:nvPicPr>
+        <p:blipFill>
+          <a:blip r:embed="rId4"/>
+          <a:stretch>
+            <a:fillRect/>
+          </a:stretch>
+        </p:blipFill>
+        <p:spPr>
+          <a:xfrm>
+            <a:off x="1380855" y="3545378"/>
+            <a:ext cx="6555027" cy="1874305"/>
+          </a:xfrm>
+          <a:prstGeom prst="rect">
+            <a:avLst/>
+          </a:prstGeom>
+          <a:ln>
+            <a:noFill/>
+          </a:ln>
+          <a:effectLst>
+            <a:outerShdw blurRad="292100" dist="139700" dir="2700000" algn="tl" rotWithShape="0">
+              <a:srgbClr val="333333">
+                <a:alpha val="65000"/>
+              </a:srgbClr>
+            </a:outerShdw>
+          </a:effectLst>
+        </p:spPr>
+      </p:pic>
+      <p:pic>
+        <p:nvPicPr>
+          <p:cNvPr id="17" name="図 16">
+            <a:extLst>
+              <a:ext uri="{FF2B5EF4-FFF2-40B4-BE49-F238E27FC236}">
+                <a16:creationId xmlns:a16="http://schemas.microsoft.com/office/drawing/2014/main" id="{F67CC6B3-0139-4CA2-9EB5-0F306521075A}"/>
+              </a:ext>
+            </a:extLst>
+          </p:cNvPr>
+          <p:cNvPicPr>
+            <a:picLocks noChangeAspect="1"/>
+          </p:cNvPicPr>
+          <p:nvPr/>
+        </p:nvPicPr>
+        <p:blipFill>
+          <a:blip r:embed="rId5"/>
+          <a:stretch>
+            <a:fillRect/>
+          </a:stretch>
+        </p:blipFill>
+        <p:spPr>
+          <a:xfrm>
+            <a:off x="9211847" y="517325"/>
+            <a:ext cx="3905641" cy="2587143"/>
+          </a:xfrm>
+          <a:prstGeom prst="rect">
+            <a:avLst/>
+          </a:prstGeom>
+          <a:ln>
+            <a:noFill/>
+          </a:ln>
+          <a:effectLst>
+            <a:outerShdw blurRad="292100" dist="139700" dir="2700000" algn="tl" rotWithShape="0">
+              <a:srgbClr val="333333">
+                <a:alpha val="65000"/>
+              </a:srgbClr>
+            </a:outerShdw>
+          </a:effectLst>
+        </p:spPr>
+      </p:pic>
+      <p:sp>
+        <p:nvSpPr>
+          <p:cNvPr id="18" name="テキスト ボックス 17">
+            <a:extLst>
+              <a:ext uri="{FF2B5EF4-FFF2-40B4-BE49-F238E27FC236}">
+                <a16:creationId xmlns:a16="http://schemas.microsoft.com/office/drawing/2014/main" id="{C2475051-AD73-4DF4-AF2E-888B304E0655}"/>
+              </a:ext>
+            </a:extLst>
+          </p:cNvPr>
+          <p:cNvSpPr txBox="1"/>
+          <p:nvPr/>
+        </p:nvSpPr>
+        <p:spPr>
+          <a:xfrm>
+            <a:off x="42974" y="95263"/>
+            <a:ext cx="415498" cy="369332"/>
+          </a:xfrm>
+          <a:prstGeom prst="rect">
+            <a:avLst/>
+          </a:prstGeom>
+          <a:noFill/>
+        </p:spPr>
+        <p:txBody>
+          <a:bodyPr wrap="none" rtlCol="0">
+            <a:spAutoFit/>
+          </a:bodyPr>
+          <a:lstStyle/>
+          <a:p>
+            <a:r>
+              <a:rPr kumimoji="1" lang="ja-JP" altLang="en-US" dirty="0"/>
+              <a:t>①</a:t>
+            </a:r>
+          </a:p>
+        </p:txBody>
+      </p:sp>
+      <p:sp>
+        <p:nvSpPr>
+          <p:cNvPr id="20" name="テキスト ボックス 19">
+            <a:extLst>
+              <a:ext uri="{FF2B5EF4-FFF2-40B4-BE49-F238E27FC236}">
+                <a16:creationId xmlns:a16="http://schemas.microsoft.com/office/drawing/2014/main" id="{DD779490-1B16-42DE-8879-AAF94FE83A1B}"/>
+              </a:ext>
+            </a:extLst>
+          </p:cNvPr>
+          <p:cNvSpPr txBox="1"/>
+          <p:nvPr/>
+        </p:nvSpPr>
+        <p:spPr>
+          <a:xfrm>
+            <a:off x="3634513" y="88797"/>
+            <a:ext cx="415498" cy="369332"/>
+          </a:xfrm>
+          <a:prstGeom prst="rect">
+            <a:avLst/>
+          </a:prstGeom>
+          <a:noFill/>
+        </p:spPr>
+        <p:txBody>
+          <a:bodyPr wrap="none" rtlCol="0">
+            <a:spAutoFit/>
+          </a:bodyPr>
+          <a:lstStyle/>
+          <a:p>
+            <a:r>
+              <a:rPr kumimoji="1" lang="ja-JP" altLang="en-US" dirty="0"/>
+              <a:t>②</a:t>
+            </a:r>
+          </a:p>
+        </p:txBody>
+      </p:sp>
+      <p:sp>
+        <p:nvSpPr>
+          <p:cNvPr id="22" name="テキスト ボックス 21">
+            <a:extLst>
+              <a:ext uri="{FF2B5EF4-FFF2-40B4-BE49-F238E27FC236}">
+                <a16:creationId xmlns:a16="http://schemas.microsoft.com/office/drawing/2014/main" id="{9F3D25BE-4747-403D-858E-B9ECA02AD578}"/>
+              </a:ext>
+            </a:extLst>
+          </p:cNvPr>
+          <p:cNvSpPr txBox="1"/>
+          <p:nvPr/>
+        </p:nvSpPr>
+        <p:spPr>
+          <a:xfrm>
+            <a:off x="9211847" y="139706"/>
+            <a:ext cx="415498" cy="369332"/>
+          </a:xfrm>
+          <a:prstGeom prst="rect">
+            <a:avLst/>
+          </a:prstGeom>
+          <a:noFill/>
+        </p:spPr>
+        <p:txBody>
+          <a:bodyPr wrap="none" rtlCol="0">
+            <a:spAutoFit/>
+          </a:bodyPr>
+          <a:lstStyle/>
+          <a:p>
+            <a:r>
+              <a:rPr kumimoji="1" lang="ja-JP" altLang="en-US" dirty="0"/>
+              <a:t>④</a:t>
+            </a:r>
+          </a:p>
+        </p:txBody>
+      </p:sp>
+      <p:sp>
+        <p:nvSpPr>
+          <p:cNvPr id="24" name="テキスト ボックス 23">
+            <a:extLst>
+              <a:ext uri="{FF2B5EF4-FFF2-40B4-BE49-F238E27FC236}">
+                <a16:creationId xmlns:a16="http://schemas.microsoft.com/office/drawing/2014/main" id="{0AF2BD6B-512C-4F75-AB02-48B60DEE5300}"/>
+              </a:ext>
+            </a:extLst>
+          </p:cNvPr>
+          <p:cNvSpPr txBox="1"/>
+          <p:nvPr/>
+        </p:nvSpPr>
+        <p:spPr>
+          <a:xfrm>
+            <a:off x="891114" y="3545378"/>
+            <a:ext cx="415498" cy="369332"/>
+          </a:xfrm>
+          <a:prstGeom prst="rect">
+            <a:avLst/>
+          </a:prstGeom>
+          <a:noFill/>
+        </p:spPr>
+        <p:txBody>
+          <a:bodyPr wrap="none" rtlCol="0">
+            <a:spAutoFit/>
+          </a:bodyPr>
+          <a:lstStyle/>
+          <a:p>
+            <a:r>
+              <a:rPr kumimoji="1" lang="ja-JP" altLang="en-US" dirty="0"/>
+              <a:t>③</a:t>
+            </a:r>
+          </a:p>
+        </p:txBody>
+      </p:sp>
+      <p:sp>
+        <p:nvSpPr>
+          <p:cNvPr id="25" name="吹き出し: 四角形 24">
+            <a:extLst>
+              <a:ext uri="{FF2B5EF4-FFF2-40B4-BE49-F238E27FC236}">
+                <a16:creationId xmlns:a16="http://schemas.microsoft.com/office/drawing/2014/main" id="{A5A992B9-3071-4550-BA75-606768F0E988}"/>
+              </a:ext>
+            </a:extLst>
+          </p:cNvPr>
+          <p:cNvSpPr/>
+          <p:nvPr/>
+        </p:nvSpPr>
+        <p:spPr>
+          <a:xfrm>
+            <a:off x="6368880" y="4704208"/>
+            <a:ext cx="2928252" cy="375952"/>
+          </a:xfrm>
+          <a:prstGeom prst="wedgeRectCallout">
+            <a:avLst>
+              <a:gd name="adj1" fmla="val -79891"/>
+              <a:gd name="adj2" fmla="val 19066"/>
+            </a:avLst>
+          </a:prstGeom>
+        </p:spPr>
+        <p:style>
+          <a:lnRef idx="1">
+            <a:schemeClr val="accent2"/>
+          </a:lnRef>
+          <a:fillRef idx="2">
+            <a:schemeClr val="accent2"/>
+          </a:fillRef>
+          <a:effectRef idx="1">
+            <a:schemeClr val="accent2"/>
+          </a:effectRef>
+          <a:fontRef idx="minor">
+            <a:schemeClr val="dk1"/>
+          </a:fontRef>
+        </p:style>
+        <p:txBody>
+          <a:bodyPr rtlCol="0" anchor="ctr"/>
+          <a:lstStyle/>
+          <a:p>
+            <a:pPr algn="ctr"/>
+            <a:r>
+              <a:rPr kumimoji="1" lang="ja-JP" altLang="en-US" sz="1400" dirty="0"/>
+              <a:t>この設定変更のみ要コマンド</a:t>
+            </a:r>
+          </a:p>
+        </p:txBody>
+      </p:sp>
+    </p:spTree>
+    <p:extLst>
+      <p:ext uri="{BB962C8B-B14F-4D97-AF65-F5344CB8AC3E}">
+        <p14:creationId xmlns:p14="http://schemas.microsoft.com/office/powerpoint/2010/main" val="770704956"/>
+      </p:ext>
+    </p:extLst>
+  </p:cSld>
+  <p:clrMapOvr>
+    <a:masterClrMapping/>
+  </p:clrMapOvr>
+</p:sld>
+</file>
+
+<file path=ppt/slides/slide4.xml><?xml version="1.0" encoding="utf-8"?>
+<p:sld xmlns:a="http://schemas.openxmlformats.org/drawingml/2006/main" xmlns:r="http://schemas.openxmlformats.org/officeDocument/2006/relationships" xmlns:p="http://schemas.openxmlformats.org/presentationml/2006/main">
+  <p:cSld>
+    <p:spTree>
+      <p:nvGrpSpPr>
+        <p:cNvPr id="1" name=""/>
+        <p:cNvGrpSpPr/>
+        <p:nvPr/>
+      </p:nvGrpSpPr>
+      <p:grpSpPr>
+        <a:xfrm>
+          <a:off x="0" y="0"/>
+          <a:ext cx="0" cy="0"/>
+          <a:chOff x="0" y="0"/>
+          <a:chExt cx="0" cy="0"/>
+        </a:xfrm>
+      </p:grpSpPr>
+    </p:spTree>
+    <p:extLst>
+      <p:ext uri="{BB962C8B-B14F-4D97-AF65-F5344CB8AC3E}">
+        <p14:creationId xmlns:p14="http://schemas.microsoft.com/office/powerpoint/2010/main" val="818930475"/>
+      </p:ext>
+    </p:extLst>
+  </p:cSld>
+  <p:clrMapOvr>
+    <a:masterClrMapping/>
+  </p:clrMapOvr>
+</p:sld>
+</file>
+
+<file path=ppt/slides/slide5.xml><?xml version="1.0" encoding="utf-8"?>
+<p:sld xmlns:a="http://schemas.openxmlformats.org/drawingml/2006/main" xmlns:r="http://schemas.openxmlformats.org/officeDocument/2006/relationships" xmlns:p="http://schemas.openxmlformats.org/presentationml/2006/main">
+  <p:cSld>
+    <p:spTree>
+      <p:nvGrpSpPr>
+        <p:cNvPr id="1" name=""/>
+        <p:cNvGrpSpPr/>
+        <p:nvPr/>
+      </p:nvGrpSpPr>
+      <p:grpSpPr>
+        <a:xfrm>
+          <a:off x="0" y="0"/>
+          <a:ext cx="0" cy="0"/>
+          <a:chOff x="0" y="0"/>
+          <a:chExt cx="0" cy="0"/>
+        </a:xfrm>
+      </p:grpSpPr>
+      <p:pic>
+        <p:nvPicPr>
+          <p:cNvPr id="3" name="図 2">
+            <a:extLst>
+              <a:ext uri="{FF2B5EF4-FFF2-40B4-BE49-F238E27FC236}">
+                <a16:creationId xmlns:a16="http://schemas.microsoft.com/office/drawing/2014/main" id="{BBC1598A-63F3-4520-B951-18C5CC92C7A3}"/>
+              </a:ext>
+            </a:extLst>
+          </p:cNvPr>
+          <p:cNvPicPr>
+            <a:picLocks noChangeAspect="1"/>
+          </p:cNvPicPr>
+          <p:nvPr/>
+        </p:nvPicPr>
+        <p:blipFill>
+          <a:blip r:embed="rId2"/>
+          <a:stretch>
+            <a:fillRect/>
+          </a:stretch>
+        </p:blipFill>
+        <p:spPr>
+          <a:xfrm>
+            <a:off x="1882558" y="1479450"/>
+            <a:ext cx="8426883" cy="3899100"/>
+          </a:xfrm>
+          <a:prstGeom prst="rect">
+            <a:avLst/>
+          </a:prstGeom>
+        </p:spPr>
+      </p:pic>
+    </p:spTree>
+    <p:extLst>
+      <p:ext uri="{BB962C8B-B14F-4D97-AF65-F5344CB8AC3E}">
+        <p14:creationId xmlns:p14="http://schemas.microsoft.com/office/powerpoint/2010/main" val="2185976221"/>
       </p:ext>
     </p:extLst>
   </p:cSld>

--- a/web-apps-for-win-container/images/figures.pptx
+++ b/web-apps-for-win-container/images/figures.pptx
@@ -498,6 +498,286 @@
     </a:lvl9pPr>
   </p:notesStyle>
 </p:notesMaster>
+</file>
+
+<file path=ppt/notesSlides/notesSlide1.xml><?xml version="1.0" encoding="utf-8"?>
+<p:notes xmlns:a="http://schemas.openxmlformats.org/drawingml/2006/main" xmlns:r="http://schemas.openxmlformats.org/officeDocument/2006/relationships" xmlns:p="http://schemas.openxmlformats.org/presentationml/2006/main">
+  <p:cSld>
+    <p:spTree>
+      <p:nvGrpSpPr>
+        <p:cNvPr id="1" name=""/>
+        <p:cNvGrpSpPr/>
+        <p:nvPr/>
+      </p:nvGrpSpPr>
+      <p:grpSpPr>
+        <a:xfrm>
+          <a:off x="0" y="0"/>
+          <a:ext cx="0" cy="0"/>
+          <a:chOff x="0" y="0"/>
+          <a:chExt cx="0" cy="0"/>
+        </a:xfrm>
+      </p:grpSpPr>
+      <p:sp>
+        <p:nvSpPr>
+          <p:cNvPr id="2" name="スライド イメージ プレースホルダー 1"/>
+          <p:cNvSpPr>
+            <a:spLocks noGrp="1" noRot="1" noChangeAspect="1"/>
+          </p:cNvSpPr>
+          <p:nvPr>
+            <p:ph type="sldImg"/>
+          </p:nvPr>
+        </p:nvSpPr>
+        <p:spPr/>
+      </p:sp>
+      <p:sp>
+        <p:nvSpPr>
+          <p:cNvPr id="3" name="ノート プレースホルダー 2"/>
+          <p:cNvSpPr>
+            <a:spLocks noGrp="1"/>
+          </p:cNvSpPr>
+          <p:nvPr>
+            <p:ph type="body" idx="1"/>
+          </p:nvPr>
+        </p:nvSpPr>
+        <p:spPr/>
+        <p:txBody>
+          <a:bodyPr/>
+          <a:lstStyle/>
+          <a:p>
+            <a:r>
+              <a:rPr kumimoji="1" lang="en-US" altLang="ja-JP" dirty="0"/>
+              <a:t>09/02/2022 02:49:02.328 INFO - Site: aibs-poc-cloudpos-webapp2 - Environment variables changed. Container restart required.</a:t>
+            </a:r>
+          </a:p>
+          <a:p>
+            <a:r>
+              <a:rPr kumimoji="1" lang="en-US" altLang="ja-JP" dirty="0"/>
+              <a:t>09/02/2022 02:49:02.328 INFO - Site: aibs-poc-cloudpos-webapp2 - Web app configuration changed. Container restart required.</a:t>
+            </a:r>
+          </a:p>
+          <a:p>
+            <a:r>
+              <a:rPr kumimoji="1" lang="en-US" altLang="ja-JP" dirty="0"/>
+              <a:t>09/02/2022 02:49:02.328 INFO - Site: aibs-poc-cloudpos-webapp2 - Recycle container.</a:t>
+            </a:r>
+          </a:p>
+          <a:p>
+            <a:r>
+              <a:rPr kumimoji="1" lang="en-US" altLang="ja-JP" dirty="0"/>
+              <a:t>09/02/2022 02:49:02.328 INFO - Site: aibs-poc-cloudpos-webapp2 - Restarting container. No overlap.</a:t>
+            </a:r>
+          </a:p>
+          <a:p>
+            <a:r>
+              <a:rPr kumimoji="1" lang="en-US" altLang="ja-JP" dirty="0"/>
+              <a:t>09/02/2022 02:49:02.469 INFO - Site: aibs-poc-cloudpos-webapp2 - Creating container image</a:t>
+            </a:r>
+          </a:p>
+          <a:p>
+            <a:r>
+              <a:rPr kumimoji="1" lang="en-US" altLang="ja-JP" dirty="0"/>
+              <a:t>09/02/2022 02:49:02.476 INFO - Site: aibs-poc-cloudpos-webapp2 - Create SMB mapping for Azure Files. Storage account: mount-</a:t>
+            </a:r>
+            <a:r>
+              <a:rPr kumimoji="1" lang="en-US" altLang="ja-JP" dirty="0" err="1"/>
+              <a:t>mycontents</a:t>
+            </a:r>
+            <a:r>
+              <a:rPr kumimoji="1" lang="en-US" altLang="ja-JP" dirty="0"/>
+              <a:t>. Mount Path: C:\MyContents</a:t>
+            </a:r>
+          </a:p>
+          <a:p>
+            <a:r>
+              <a:rPr kumimoji="1" lang="en-US" altLang="ja-JP" dirty="0"/>
+              <a:t>09/02/2022 02:49:02.476 INFO - Site: aibs-poc-cloudpos-webapp2 - Verifying container image and pull image if </a:t>
+            </a:r>
+            <a:r>
+              <a:rPr kumimoji="1" lang="en-US" altLang="ja-JP" dirty="0" err="1"/>
+              <a:t>necesary</a:t>
+            </a:r>
+            <a:endParaRPr kumimoji="1" lang="en-US" altLang="ja-JP" dirty="0"/>
+          </a:p>
+          <a:p>
+            <a:r>
+              <a:rPr kumimoji="1" lang="en-US" altLang="ja-JP" dirty="0"/>
+              <a:t>09/02/2022 02:49:02.807 INFO - Site: aibs-poc-cloudpos-webapp2 - Pulling container image: aibspoc.azurecr.io/webform1:0208b using managed identity.</a:t>
+            </a:r>
+          </a:p>
+          <a:p>
+            <a:r>
+              <a:rPr kumimoji="1" lang="en-US" altLang="ja-JP" dirty="0"/>
+              <a:t>09/02/2022 02:49:03.117 INFO - Site: aibs-poc-cloudpos-webapp2 - Image: aibspoc.azurecr.io/webform1:0208b</a:t>
+            </a:r>
+          </a:p>
+          <a:p>
+            <a:r>
+              <a:rPr kumimoji="1" lang="en-US" altLang="ja-JP" dirty="0"/>
+              <a:t>Status: 0208b Pulling from webform1</a:t>
+            </a:r>
+          </a:p>
+          <a:p>
+            <a:endParaRPr kumimoji="1" lang="en-US" altLang="ja-JP" dirty="0"/>
+          </a:p>
+          <a:p>
+            <a:r>
+              <a:rPr kumimoji="1" lang="en-US" altLang="ja-JP" dirty="0"/>
+              <a:t>09/02/2022 02:49:03.138 INFO - Site: aibs-poc-cloudpos-webapp2 - Image: aibspoc.azurecr.io/webform1:0208b</a:t>
+            </a:r>
+          </a:p>
+          <a:p>
+            <a:r>
+              <a:rPr kumimoji="1" lang="en-US" altLang="ja-JP" dirty="0"/>
+              <a:t>Status: Digest: sha256:514736b7f3de10521a906e67b8aeceb03f48cfbdaa76d4abd66598ce2c445011</a:t>
+            </a:r>
+          </a:p>
+          <a:p>
+            <a:endParaRPr kumimoji="1" lang="en-US" altLang="ja-JP" dirty="0"/>
+          </a:p>
+          <a:p>
+            <a:r>
+              <a:rPr kumimoji="1" lang="en-US" altLang="ja-JP" dirty="0"/>
+              <a:t>09/02/2022 02:49:03.138 INFO - Site: aibs-poc-cloudpos-webapp2 - Image: aibspoc.azurecr.io/webform1:0208b</a:t>
+            </a:r>
+          </a:p>
+          <a:p>
+            <a:r>
+              <a:rPr kumimoji="1" lang="en-US" altLang="ja-JP" dirty="0"/>
+              <a:t>Status: Status: Image is up to date for aibspoc.azurecr.io/webform1:0208b</a:t>
+            </a:r>
+          </a:p>
+          <a:p>
+            <a:endParaRPr kumimoji="1" lang="en-US" altLang="ja-JP" dirty="0"/>
+          </a:p>
+          <a:p>
+            <a:r>
+              <a:rPr kumimoji="1" lang="en-US" altLang="ja-JP" dirty="0"/>
+              <a:t>09/02/2022 02:49:03.184 INFO - Site: aibs-poc-cloudpos-webapp2 - Attempting to create container</a:t>
+            </a:r>
+          </a:p>
+          <a:p>
+            <a:r>
+              <a:rPr kumimoji="1" lang="en-US" altLang="ja-JP" dirty="0"/>
+              <a:t>09/02/2022 02:49:03.184 INFO - Site: aibs-poc-cloudpos-webapp2 - Creating container for image: aibspoc.azurecr.io/webform1:0208b.</a:t>
+            </a:r>
+          </a:p>
+          <a:p>
+            <a:r>
+              <a:rPr kumimoji="1" lang="en-US" altLang="ja-JP" dirty="0"/>
+              <a:t>09/02/2022 02:49:03.231 INFO - Site: aibs-poc-cloudpos-webapp2 - [c0995510e6e7634f502286336a399a2b5f3fb44dc12a01a63a62d13c4c154d88] - Create container for image: aibspoc.azurecr.io/webform1:0208b succeeded. Container Id c0995510e6e7634f502286336a399a2b5f3fb44dc12a01a63a62d13c4c154d88</a:t>
+            </a:r>
+          </a:p>
+          <a:p>
+            <a:r>
+              <a:rPr kumimoji="1" lang="en-US" altLang="ja-JP" dirty="0"/>
+              <a:t>09/02/2022 02:49:03.231 INFO - Site: aibs-poc-cloudpos-webapp2 - [c0995510e6e7634f502286336a399a2b5f3fb44dc12a01a63a62d13c4c154d88] - Attempting to start container</a:t>
+            </a:r>
+          </a:p>
+          <a:p>
+            <a:r>
+              <a:rPr kumimoji="1" lang="en-US" altLang="ja-JP" dirty="0"/>
+              <a:t>09/02/2022 02:49:29.897 INFO - Site: aibs-poc-cloudpos-webapp2 - [c0995510e6e7634f502286336a399a2b5f3fb44dc12a01a63a62d13c4c154d88] - Start container succeeded.</a:t>
+            </a:r>
+          </a:p>
+          <a:p>
+            <a:r>
+              <a:rPr kumimoji="1" lang="en-US" altLang="ja-JP" dirty="0"/>
+              <a:t>09/02/2022 02:49:39.232 INFO - Site: aibs-poc-cloudpos-webapp2 - [c0995510e6e7634f502286336a399a2b5f3fb44dc12a01a63a62d13c4c154d88] - Container has started.</a:t>
+            </a:r>
+          </a:p>
+          <a:p>
+            <a:r>
+              <a:rPr kumimoji="1" lang="en-US" altLang="ja-JP" dirty="0"/>
+              <a:t>09/02/2022 02:49:39.232 INFO - Site: aibs-poc-cloudpos-webapp2 - [c0995510e6e7634f502286336a399a2b5f3fb44dc12a01a63a62d13c4c154d88] - CONTAINER_SKIP_CONFIGURATION app setting is set to 0</a:t>
+            </a:r>
+          </a:p>
+          <a:p>
+            <a:r>
+              <a:rPr kumimoji="1" lang="en-US" altLang="ja-JP" dirty="0"/>
+              <a:t>09/02/2022 02:49:39.232 INFO - Site: aibs-poc-cloudpos-webapp2 - [c0995510e6e7634f502286336a399a2b5f3fb44dc12a01a63a62d13c4c154d88] - Configuring container</a:t>
+            </a:r>
+          </a:p>
+          <a:p>
+            <a:r>
+              <a:rPr kumimoji="1" lang="en-US" altLang="ja-JP" dirty="0"/>
+              <a:t>09/02/2022 02:49:39.232 INFO - Site: aibs-poc-cloudpos-webapp2 - [c0995510e6e7634f502286336a399a2b5f3fb44dc12a01a63a62d13c4c154d88] - Call configure container utility</a:t>
+            </a:r>
+          </a:p>
+          <a:p>
+            <a:r>
+              <a:rPr kumimoji="1" lang="en-US" altLang="ja-JP" dirty="0"/>
+              <a:t>09/02/2022 02:50:05.674 INFO - Site: aibs-poc-cloudpos-webapp2 - [c0995510e6e7634f502286336a399a2b5f3fb44dc12a01a63a62d13c4c154d88] - Configure container utility completed</a:t>
+            </a:r>
+          </a:p>
+          <a:p>
+            <a:r>
+              <a:rPr kumimoji="1" lang="en-US" altLang="ja-JP" dirty="0"/>
+              <a:t>09/02/2022 02:50:05.682 INFO - Site: aibs-poc-cloudpos-webapp2 - [c0995510e6e7634f502286336a399a2b5f3fb44dc12a01a63a62d13c4c154d88] - Container has started.</a:t>
+            </a:r>
+          </a:p>
+          <a:p>
+            <a:r>
+              <a:rPr kumimoji="1" lang="en-US" altLang="ja-JP" dirty="0"/>
+              <a:t>09/02/2022 02:50:06.729 INFO - Site: aibs-poc-cloudpos-webapp2 - [c0995510e6e7634f502286336a399a2b5f3fb44dc12a01a63a62d13c4c154d88] - Container </a:t>
+            </a:r>
+            <a:r>
+              <a:rPr kumimoji="1" lang="en-US" altLang="ja-JP" dirty="0" err="1"/>
+              <a:t>entrypoint</a:t>
+            </a:r>
+            <a:r>
+              <a:rPr kumimoji="1" lang="en-US" altLang="ja-JP" dirty="0"/>
+              <a:t> has started</a:t>
+            </a:r>
+          </a:p>
+          <a:p>
+            <a:r>
+              <a:rPr kumimoji="1" lang="en-US" altLang="ja-JP" dirty="0"/>
+              <a:t>09/02/2022 02:50:15.695 INFO - Site: aibs-poc-cloudpos-webapp2 - [c0995510e6e7634f502286336a399a2b5f3fb44dc12a01a63a62d13c4c154d88] - Container is ready</a:t>
+            </a:r>
+          </a:p>
+          <a:p>
+            <a:r>
+              <a:rPr kumimoji="1" lang="en-US" altLang="ja-JP" dirty="0"/>
+              <a:t>09/02/2022 02:50:15.695 INFO - Site: aibs-poc-cloudpos-webapp2 - [c0995510e6e7634f502286336a399a2b5f3fb44dc12a01a63a62d13c4c154d88] - Container start-up and configuration completed successfully</a:t>
+            </a:r>
+            <a:endParaRPr kumimoji="1" lang="ja-JP" altLang="en-US" dirty="0"/>
+          </a:p>
+        </p:txBody>
+      </p:sp>
+      <p:sp>
+        <p:nvSpPr>
+          <p:cNvPr id="4" name="スライド番号プレースホルダー 3"/>
+          <p:cNvSpPr>
+            <a:spLocks noGrp="1"/>
+          </p:cNvSpPr>
+          <p:nvPr>
+            <p:ph type="sldNum" sz="quarter" idx="5"/>
+          </p:nvPr>
+        </p:nvSpPr>
+        <p:spPr/>
+        <p:txBody>
+          <a:bodyPr/>
+          <a:lstStyle/>
+          <a:p>
+            <a:fld id="{1353EA0A-168E-40D3-A44D-1B70ACEBFD3E}" type="slidenum">
+              <a:rPr kumimoji="1" lang="ja-JP" altLang="en-US" smtClean="0"/>
+              <a:t>4</a:t>
+            </a:fld>
+            <a:endParaRPr kumimoji="1" lang="ja-JP" altLang="en-US"/>
+          </a:p>
+        </p:txBody>
+      </p:sp>
+    </p:spTree>
+    <p:extLst>
+      <p:ext uri="{BB962C8B-B14F-4D97-AF65-F5344CB8AC3E}">
+        <p14:creationId xmlns:p14="http://schemas.microsoft.com/office/powerpoint/2010/main" val="2821443592"/>
+      </p:ext>
+    </p:extLst>
+  </p:cSld>
+  <p:clrMapOvr>
+    <a:masterClrMapping/>
+  </p:clrMapOvr>
+</p:notes>
 </file>
 
 <file path=ppt/slideLayouts/slideLayout1.xml><?xml version="1.0" encoding="utf-8"?>
@@ -4255,7 +4535,7 @@
         </p:blipFill>
         <p:spPr>
           <a:xfrm>
-            <a:off x="414653" y="1672466"/>
+            <a:off x="314900" y="312704"/>
             <a:ext cx="5257746" cy="2719524"/>
           </a:xfrm>
           <a:prstGeom prst="rect">
@@ -4295,7 +4575,7 @@
         </p:blipFill>
         <p:spPr>
           <a:xfrm>
-            <a:off x="6150635" y="1672466"/>
+            <a:off x="6472060" y="312704"/>
             <a:ext cx="5255207" cy="3505504"/>
           </a:xfrm>
           <a:prstGeom prst="rect">
@@ -4313,6 +4593,144 @@
           </a:effectLst>
         </p:spPr>
       </p:pic>
+      <p:pic>
+        <p:nvPicPr>
+          <p:cNvPr id="13" name="図 12">
+            <a:extLst>
+              <a:ext uri="{FF2B5EF4-FFF2-40B4-BE49-F238E27FC236}">
+                <a16:creationId xmlns:a16="http://schemas.microsoft.com/office/drawing/2014/main" id="{DEA6BA8E-79EB-4498-ABDE-8E6CCC409A25}"/>
+              </a:ext>
+            </a:extLst>
+          </p:cNvPr>
+          <p:cNvPicPr>
+            <a:picLocks noChangeAspect="1"/>
+          </p:cNvPicPr>
+          <p:nvPr/>
+        </p:nvPicPr>
+        <p:blipFill>
+          <a:blip r:embed="rId4"/>
+          <a:stretch>
+            <a:fillRect/>
+          </a:stretch>
+        </p:blipFill>
+        <p:spPr>
+          <a:xfrm>
+            <a:off x="1553534" y="3226330"/>
+            <a:ext cx="4272185" cy="2554838"/>
+          </a:xfrm>
+          <a:prstGeom prst="rect">
+            <a:avLst/>
+          </a:prstGeom>
+          <a:ln>
+            <a:noFill/>
+          </a:ln>
+          <a:effectLst>
+            <a:outerShdw blurRad="292100" dist="139700" dir="2700000" algn="tl" rotWithShape="0">
+              <a:srgbClr val="333333">
+                <a:alpha val="65000"/>
+              </a:srgbClr>
+            </a:outerShdw>
+          </a:effectLst>
+        </p:spPr>
+      </p:pic>
+      <p:sp>
+        <p:nvSpPr>
+          <p:cNvPr id="14" name="四角形: 角を丸くする 13">
+            <a:extLst>
+              <a:ext uri="{FF2B5EF4-FFF2-40B4-BE49-F238E27FC236}">
+                <a16:creationId xmlns:a16="http://schemas.microsoft.com/office/drawing/2014/main" id="{FBA1B54E-5626-4BA2-9CEA-B645197A4554}"/>
+              </a:ext>
+            </a:extLst>
+          </p:cNvPr>
+          <p:cNvSpPr/>
+          <p:nvPr/>
+        </p:nvSpPr>
+        <p:spPr>
+          <a:xfrm>
+            <a:off x="2151859" y="2523589"/>
+            <a:ext cx="3311565" cy="417195"/>
+          </a:xfrm>
+          <a:prstGeom prst="roundRect">
+            <a:avLst/>
+          </a:prstGeom>
+          <a:noFill/>
+          <a:ln w="28575">
+            <a:solidFill>
+              <a:srgbClr val="FF0000"/>
+            </a:solidFill>
+          </a:ln>
+        </p:spPr>
+        <p:style>
+          <a:lnRef idx="2">
+            <a:schemeClr val="accent1">
+              <a:shade val="50000"/>
+            </a:schemeClr>
+          </a:lnRef>
+          <a:fillRef idx="1">
+            <a:schemeClr val="accent1"/>
+          </a:fillRef>
+          <a:effectRef idx="0">
+            <a:schemeClr val="accent1"/>
+          </a:effectRef>
+          <a:fontRef idx="minor">
+            <a:schemeClr val="lt1"/>
+          </a:fontRef>
+        </p:style>
+        <p:txBody>
+          <a:bodyPr rtlCol="0" anchor="ctr"/>
+          <a:lstStyle/>
+          <a:p>
+            <a:pPr algn="ctr"/>
+            <a:endParaRPr kumimoji="1" lang="ja-JP" altLang="en-US"/>
+          </a:p>
+        </p:txBody>
+      </p:sp>
+      <p:cxnSp>
+        <p:nvCxnSpPr>
+          <p:cNvPr id="16" name="直線矢印コネクタ 15">
+            <a:extLst>
+              <a:ext uri="{FF2B5EF4-FFF2-40B4-BE49-F238E27FC236}">
+                <a16:creationId xmlns:a16="http://schemas.microsoft.com/office/drawing/2014/main" id="{319195EF-1083-4FBF-8D22-1065ED17ABA4}"/>
+              </a:ext>
+            </a:extLst>
+          </p:cNvPr>
+          <p:cNvCxnSpPr/>
+          <p:nvPr/>
+        </p:nvCxnSpPr>
+        <p:spPr>
+          <a:xfrm>
+            <a:off x="3290001" y="2940784"/>
+            <a:ext cx="147039" cy="721411"/>
+          </a:xfrm>
+          <a:prstGeom prst="straightConnector1">
+            <a:avLst/>
+          </a:prstGeom>
+          <a:noFill/>
+          <a:ln w="28575">
+            <a:solidFill>
+              <a:srgbClr val="FF0000"/>
+            </a:solidFill>
+            <a:headEnd type="none" w="med" len="med"/>
+            <a:tailEnd type="arrow" w="med" len="med"/>
+          </a:ln>
+        </p:spPr>
+        <p:style>
+          <a:lnRef idx="2">
+            <a:schemeClr val="accent1">
+              <a:shade val="50000"/>
+            </a:schemeClr>
+          </a:lnRef>
+          <a:fillRef idx="1">
+            <a:schemeClr val="accent1"/>
+          </a:fillRef>
+          <a:effectRef idx="0">
+            <a:schemeClr val="accent1"/>
+          </a:effectRef>
+          <a:fontRef idx="minor">
+            <a:schemeClr val="lt1"/>
+          </a:fontRef>
+        </p:style>
+      </p:cxnSp>
     </p:spTree>
     <p:extLst>
       <p:ext uri="{BB962C8B-B14F-4D97-AF65-F5344CB8AC3E}">
@@ -4723,6 +5141,86 @@
           <a:chExt cx="0" cy="0"/>
         </a:xfrm>
       </p:grpSpPr>
+      <p:pic>
+        <p:nvPicPr>
+          <p:cNvPr id="14" name="図 13">
+            <a:extLst>
+              <a:ext uri="{FF2B5EF4-FFF2-40B4-BE49-F238E27FC236}">
+                <a16:creationId xmlns:a16="http://schemas.microsoft.com/office/drawing/2014/main" id="{B4033E03-599C-4C26-A5E7-4B4449BAB436}"/>
+              </a:ext>
+            </a:extLst>
+          </p:cNvPr>
+          <p:cNvPicPr>
+            <a:picLocks noChangeAspect="1"/>
+          </p:cNvPicPr>
+          <p:nvPr/>
+        </p:nvPicPr>
+        <p:blipFill>
+          <a:blip r:embed="rId3"/>
+          <a:stretch>
+            <a:fillRect/>
+          </a:stretch>
+        </p:blipFill>
+        <p:spPr>
+          <a:xfrm>
+            <a:off x="227743" y="457151"/>
+            <a:ext cx="8899102" cy="4325487"/>
+          </a:xfrm>
+          <a:prstGeom prst="rect">
+            <a:avLst/>
+          </a:prstGeom>
+          <a:ln>
+            <a:noFill/>
+          </a:ln>
+          <a:effectLst>
+            <a:outerShdw blurRad="292100" dist="139700" dir="2700000" algn="tl" rotWithShape="0">
+              <a:srgbClr val="333333">
+                <a:alpha val="65000"/>
+              </a:srgbClr>
+            </a:outerShdw>
+          </a:effectLst>
+        </p:spPr>
+      </p:pic>
+      <p:pic>
+        <p:nvPicPr>
+          <p:cNvPr id="16" name="図 15">
+            <a:extLst>
+              <a:ext uri="{FF2B5EF4-FFF2-40B4-BE49-F238E27FC236}">
+                <a16:creationId xmlns:a16="http://schemas.microsoft.com/office/drawing/2014/main" id="{422FCFC0-3E31-4C85-B4D8-DF31E02B4C9B}"/>
+              </a:ext>
+            </a:extLst>
+          </p:cNvPr>
+          <p:cNvPicPr>
+            <a:picLocks noChangeAspect="1"/>
+          </p:cNvPicPr>
+          <p:nvPr/>
+        </p:nvPicPr>
+        <p:blipFill>
+          <a:blip r:embed="rId4"/>
+          <a:stretch>
+            <a:fillRect/>
+          </a:stretch>
+        </p:blipFill>
+        <p:spPr>
+          <a:xfrm>
+            <a:off x="7206605" y="229694"/>
+            <a:ext cx="5082907" cy="3199306"/>
+          </a:xfrm>
+          <a:prstGeom prst="rect">
+            <a:avLst/>
+          </a:prstGeom>
+          <a:ln>
+            <a:noFill/>
+          </a:ln>
+          <a:effectLst>
+            <a:outerShdw blurRad="292100" dist="139700" dir="2700000" algn="tl" rotWithShape="0">
+              <a:srgbClr val="333333">
+                <a:alpha val="65000"/>
+              </a:srgbClr>
+            </a:outerShdw>
+          </a:effectLst>
+        </p:spPr>
+      </p:pic>
     </p:spTree>
     <p:extLst>
       <p:ext uri="{BB962C8B-B14F-4D97-AF65-F5344CB8AC3E}">
